--- a/docs/diagrams/LogicComponentClassDiagram.pptx
+++ b/docs/diagrams/LogicComponentClassDiagram.pptx
@@ -126,10 +126,6 @@
 </p:presentation>
 </file>
 
-<file path=ppt/revisionInfo.xml><?xml version="1.0" encoding="utf-8"?>
-<p1510:revInfo xmlns:a="http://schemas.openxmlformats.org/drawingml/2006/main" xmlns:r="http://schemas.openxmlformats.org/officeDocument/2006/relationships" xmlns:p1510="http://schemas.microsoft.com/office/powerpoint/2015/10/main"/>
-</file>
-
 <file path=ppt/notesMasters/notesMaster1.xml><?xml version="1.0" encoding="utf-8"?>
 <p:notesMaster xmlns:a="http://schemas.openxmlformats.org/drawingml/2006/main" xmlns:r="http://schemas.openxmlformats.org/officeDocument/2006/relationships" xmlns:p="http://schemas.openxmlformats.org/presentationml/2006/main">
   <p:cSld>
@@ -212,7 +208,7 @@
           <a:p>
             <a:fld id="{F5CC4B3F-88C1-4FFA-B1B6-F41C21DC6924}" type="datetimeFigureOut">
               <a:rPr lang="en-US" smtClean="0"/>
-              <a:t>7/20/17</a:t>
+              <a:t>4/7/2018</a:t>
             </a:fld>
             <a:endParaRPr lang="en-US"/>
           </a:p>
@@ -658,7 +654,7 @@
           <a:p>
             <a:fld id="{78C97017-6FC3-485B-9764-EAC9E56C1D49}" type="datetimeFigureOut">
               <a:rPr lang="en-US" smtClean="0"/>
-              <a:t>7/20/17</a:t>
+              <a:t>4/7/2018</a:t>
             </a:fld>
             <a:endParaRPr lang="en-US"/>
           </a:p>
@@ -826,7 +822,7 @@
           <a:p>
             <a:fld id="{78C97017-6FC3-485B-9764-EAC9E56C1D49}" type="datetimeFigureOut">
               <a:rPr lang="en-US" smtClean="0"/>
-              <a:t>7/20/17</a:t>
+              <a:t>4/7/2018</a:t>
             </a:fld>
             <a:endParaRPr lang="en-US"/>
           </a:p>
@@ -1004,7 +1000,7 @@
           <a:p>
             <a:fld id="{78C97017-6FC3-485B-9764-EAC9E56C1D49}" type="datetimeFigureOut">
               <a:rPr lang="en-US" smtClean="0"/>
-              <a:t>7/20/17</a:t>
+              <a:t>4/7/2018</a:t>
             </a:fld>
             <a:endParaRPr lang="en-US"/>
           </a:p>
@@ -1172,7 +1168,7 @@
           <a:p>
             <a:fld id="{78C97017-6FC3-485B-9764-EAC9E56C1D49}" type="datetimeFigureOut">
               <a:rPr lang="en-US" smtClean="0"/>
-              <a:t>7/20/17</a:t>
+              <a:t>4/7/2018</a:t>
             </a:fld>
             <a:endParaRPr lang="en-US"/>
           </a:p>
@@ -1417,7 +1413,7 @@
           <a:p>
             <a:fld id="{78C97017-6FC3-485B-9764-EAC9E56C1D49}" type="datetimeFigureOut">
               <a:rPr lang="en-US" smtClean="0"/>
-              <a:t>7/20/17</a:t>
+              <a:t>4/7/2018</a:t>
             </a:fld>
             <a:endParaRPr lang="en-US"/>
           </a:p>
@@ -1702,7 +1698,7 @@
           <a:p>
             <a:fld id="{78C97017-6FC3-485B-9764-EAC9E56C1D49}" type="datetimeFigureOut">
               <a:rPr lang="en-US" smtClean="0"/>
-              <a:t>7/20/17</a:t>
+              <a:t>4/7/2018</a:t>
             </a:fld>
             <a:endParaRPr lang="en-US"/>
           </a:p>
@@ -2121,7 +2117,7 @@
           <a:p>
             <a:fld id="{78C97017-6FC3-485B-9764-EAC9E56C1D49}" type="datetimeFigureOut">
               <a:rPr lang="en-US" smtClean="0"/>
-              <a:t>7/20/17</a:t>
+              <a:t>4/7/2018</a:t>
             </a:fld>
             <a:endParaRPr lang="en-US"/>
           </a:p>
@@ -2238,7 +2234,7 @@
           <a:p>
             <a:fld id="{78C97017-6FC3-485B-9764-EAC9E56C1D49}" type="datetimeFigureOut">
               <a:rPr lang="en-US" smtClean="0"/>
-              <a:t>7/20/17</a:t>
+              <a:t>4/7/2018</a:t>
             </a:fld>
             <a:endParaRPr lang="en-US"/>
           </a:p>
@@ -2333,7 +2329,7 @@
           <a:p>
             <a:fld id="{78C97017-6FC3-485B-9764-EAC9E56C1D49}" type="datetimeFigureOut">
               <a:rPr lang="en-US" smtClean="0"/>
-              <a:t>7/20/17</a:t>
+              <a:t>4/7/2018</a:t>
             </a:fld>
             <a:endParaRPr lang="en-US"/>
           </a:p>
@@ -2608,7 +2604,7 @@
           <a:p>
             <a:fld id="{78C97017-6FC3-485B-9764-EAC9E56C1D49}" type="datetimeFigureOut">
               <a:rPr lang="en-US" smtClean="0"/>
-              <a:t>7/20/17</a:t>
+              <a:t>4/7/2018</a:t>
             </a:fld>
             <a:endParaRPr lang="en-US"/>
           </a:p>
@@ -2860,7 +2856,7 @@
           <a:p>
             <a:fld id="{78C97017-6FC3-485B-9764-EAC9E56C1D49}" type="datetimeFigureOut">
               <a:rPr lang="en-US" smtClean="0"/>
-              <a:t>7/20/17</a:t>
+              <a:t>4/7/2018</a:t>
             </a:fld>
             <a:endParaRPr lang="en-US"/>
           </a:p>
@@ -3071,7 +3067,7 @@
           <a:p>
             <a:fld id="{78C97017-6FC3-485B-9764-EAC9E56C1D49}" type="datetimeFigureOut">
               <a:rPr lang="en-US" smtClean="0"/>
-              <a:t>7/20/17</a:t>
+              <a:t>4/7/2018</a:t>
             </a:fld>
             <a:endParaRPr lang="en-US"/>
           </a:p>
@@ -3454,8 +3450,8 @@
         </p:nvSpPr>
         <p:spPr>
           <a:xfrm>
-            <a:off x="1066800" y="914400"/>
-            <a:ext cx="7084740" cy="3733800"/>
+            <a:off x="457199" y="838200"/>
+            <a:ext cx="7793489" cy="5105400"/>
           </a:xfrm>
           <a:prstGeom prst="roundRect">
             <a:avLst>
@@ -3607,7 +3603,7 @@
           <a:p>
             <a:pPr algn="ctr"/>
             <a:r>
-              <a:rPr lang="en-US" sz="1050" b="1" dirty="0" err="1" smtClean="0">
+              <a:rPr lang="en-US" sz="1050" b="1" dirty="0" err="1">
                 <a:solidFill>
                   <a:srgbClr val="0070C0"/>
                 </a:solidFill>
@@ -3776,7 +3772,7 @@
         </p:nvSpPr>
         <p:spPr>
           <a:xfrm>
-            <a:off x="1103085" y="4777355"/>
+            <a:off x="1269397" y="6220731"/>
             <a:ext cx="7050315" cy="328045"/>
           </a:xfrm>
           <a:prstGeom prst="roundRect">
@@ -3939,7 +3935,7 @@
           <a:p>
             <a:pPr algn="ctr"/>
             <a:r>
-              <a:rPr lang="en-US" sz="1050" dirty="0" err="1" smtClean="0">
+              <a:rPr lang="en-US" sz="1050" dirty="0" err="1">
                 <a:solidFill>
                   <a:schemeClr val="bg1"/>
                 </a:solidFill>
@@ -3974,6 +3970,7 @@
         <p:nvCxnSpPr>
           <p:cNvPr id="18" name="Straight Arrow Connector 110"/>
           <p:cNvCxnSpPr>
+            <a:cxnSpLocks/>
             <a:stCxn id="12" idx="2"/>
           </p:cNvCxnSpPr>
           <p:nvPr/>
@@ -3981,7 +3978,7 @@
         <p:spPr>
           <a:xfrm>
             <a:off x="7362894" y="4495800"/>
-            <a:ext cx="0" cy="281555"/>
+            <a:ext cx="0" cy="1724931"/>
           </a:xfrm>
           <a:prstGeom prst="straightConnector1">
             <a:avLst/>
@@ -4181,6 +4178,7 @@
         <p:nvCxnSpPr>
           <p:cNvPr id="23" name="Straight Arrow Connector 57"/>
           <p:cNvCxnSpPr>
+            <a:cxnSpLocks/>
             <a:stCxn id="5" idx="2"/>
           </p:cNvCxnSpPr>
           <p:nvPr/>
@@ -4188,7 +4186,7 @@
         <p:spPr>
           <a:xfrm>
             <a:off x="2329313" y="3930290"/>
-            <a:ext cx="1376" cy="854841"/>
+            <a:ext cx="0" cy="2290441"/>
           </a:xfrm>
           <a:prstGeom prst="straightConnector1">
             <a:avLst/>
@@ -5373,7 +5371,7 @@
         </p:nvSpPr>
         <p:spPr>
           <a:xfrm>
-            <a:off x="1295065" y="4183424"/>
+            <a:off x="870417" y="4334161"/>
             <a:ext cx="805984" cy="346760"/>
           </a:xfrm>
           <a:prstGeom prst="rect">
@@ -5435,89 +5433,12 @@
           </a:p>
         </p:txBody>
       </p:sp>
-      <p:cxnSp>
-        <p:nvCxnSpPr>
-          <p:cNvPr id="88" name="Straight Arrow Connector 57"/>
-          <p:cNvCxnSpPr/>
-          <p:nvPr/>
-        </p:nvCxnSpPr>
-        <p:spPr>
-          <a:xfrm>
-            <a:off x="1971157" y="3939492"/>
-            <a:ext cx="2022" cy="240622"/>
-          </a:xfrm>
-          <a:prstGeom prst="straightConnector1">
-            <a:avLst/>
-          </a:prstGeom>
-          <a:ln w="19050">
-            <a:solidFill>
-              <a:srgbClr val="0070C0"/>
-            </a:solidFill>
-            <a:headEnd type="none" w="med" len="med"/>
-            <a:tailEnd type="arrow" w="med" len="med"/>
-          </a:ln>
-          <a:effectLst/>
-        </p:spPr>
-        <p:style>
-          <a:lnRef idx="1">
-            <a:schemeClr val="accent2"/>
-          </a:lnRef>
-          <a:fillRef idx="2">
-            <a:schemeClr val="accent2"/>
-          </a:fillRef>
-          <a:effectRef idx="1">
-            <a:schemeClr val="accent2"/>
-          </a:effectRef>
-          <a:fontRef idx="minor">
-            <a:schemeClr val="dk1"/>
-          </a:fontRef>
-        </p:style>
-      </p:cxnSp>
-      <p:sp>
-        <p:nvSpPr>
-          <p:cNvPr id="91" name="TextBox 90"/>
-          <p:cNvSpPr txBox="1"/>
-          <p:nvPr/>
-        </p:nvSpPr>
-        <p:spPr>
-          <a:xfrm>
-            <a:off x="1773980" y="4000395"/>
-            <a:ext cx="131116" cy="230832"/>
-          </a:xfrm>
-          <a:prstGeom prst="rect">
-            <a:avLst/>
-          </a:prstGeom>
-          <a:noFill/>
-        </p:spPr>
-        <p:txBody>
-          <a:bodyPr wrap="square" lIns="0" tIns="0" rIns="0" bIns="0" rtlCol="0">
-            <a:noAutofit/>
-          </a:bodyPr>
-          <a:lstStyle/>
-          <a:p>
-            <a:pPr algn="r"/>
-            <a:r>
-              <a:rPr lang="en-US" sz="1100" dirty="0">
-                <a:solidFill>
-                  <a:srgbClr val="0070C0"/>
-                </a:solidFill>
-              </a:rPr>
-              <a:t>1</a:t>
-            </a:r>
-            <a:endParaRPr lang="en-SG" sz="1100" dirty="0">
-              <a:solidFill>
-                <a:srgbClr val="0070C0"/>
-              </a:solidFill>
-            </a:endParaRPr>
-          </a:p>
-        </p:txBody>
-      </p:sp>
       <p:sp>
         <p:nvSpPr>
           <p:cNvPr id="97" name="Rectangle 96">
             <a:extLst>
               <a:ext uri="{FF2B5EF4-FFF2-40B4-BE49-F238E27FC236}">
-                <a16:creationId xmlns="" xmlns:a16="http://schemas.microsoft.com/office/drawing/2014/main" id="{AADE6A0C-89AB-467B-8CEA-5FCF36CE0D21}"/>
+                <a16:creationId xmlns:a16="http://schemas.microsoft.com/office/drawing/2014/main" id="{AADE6A0C-89AB-467B-8CEA-5FCF36CE0D21}"/>
               </a:ext>
             </a:extLst>
           </p:cNvPr>
@@ -5815,7 +5736,7 @@
           <a:p>
             <a:pPr algn="ctr"/>
             <a:r>
-              <a:rPr lang="en-US" sz="1050" b="1" dirty="0" err="1" smtClean="0">
+              <a:rPr lang="en-US" sz="1050" b="1" dirty="0" err="1">
                 <a:solidFill>
                   <a:schemeClr val="bg1"/>
                 </a:solidFill>
@@ -6165,7 +6086,7 @@
           <a:p>
             <a:pPr algn="ctr"/>
             <a:r>
-              <a:rPr lang="en-US" sz="1050" dirty="0" err="1" smtClean="0">
+              <a:rPr lang="en-US" sz="1050" dirty="0" err="1">
                 <a:solidFill>
                   <a:schemeClr val="bg1"/>
                 </a:solidFill>
@@ -6173,7 +6094,7 @@
               <a:t>XYZCommand</a:t>
             </a:r>
             <a:r>
-              <a:rPr lang="en-US" sz="1050" dirty="0" smtClean="0">
+              <a:rPr lang="en-US" sz="1050" dirty="0">
                 <a:solidFill>
                   <a:schemeClr val="bg1"/>
                 </a:solidFill>
@@ -6181,7 +6102,7 @@
               <a:t> = </a:t>
             </a:r>
             <a:r>
-              <a:rPr lang="en-US" sz="1050" dirty="0" err="1" smtClean="0">
+              <a:rPr lang="en-US" sz="1050" dirty="0" err="1">
                 <a:solidFill>
                   <a:schemeClr val="bg1"/>
                 </a:solidFill>
@@ -6189,7 +6110,7 @@
               <a:t>AddCommand</a:t>
             </a:r>
             <a:r>
-              <a:rPr lang="en-US" sz="1050" dirty="0" smtClean="0">
+              <a:rPr lang="en-US" sz="1050" dirty="0">
                 <a:solidFill>
                   <a:schemeClr val="bg1"/>
                 </a:solidFill>
@@ -6197,7 +6118,7 @@
               <a:t>, </a:t>
             </a:r>
             <a:r>
-              <a:rPr lang="en-US" sz="1050" dirty="0" err="1" smtClean="0">
+              <a:rPr lang="en-US" sz="1050" dirty="0" err="1">
                 <a:solidFill>
                   <a:schemeClr val="bg1"/>
                 </a:solidFill>
@@ -6205,18 +6126,13 @@
               <a:t>FindCommand</a:t>
             </a:r>
             <a:r>
-              <a:rPr lang="en-US" sz="1050" dirty="0" smtClean="0">
+              <a:rPr lang="en-US" sz="1050" dirty="0">
                 <a:solidFill>
                   <a:schemeClr val="bg1"/>
                 </a:solidFill>
               </a:rPr>
               <a:t>, etc.</a:t>
             </a:r>
-            <a:endParaRPr lang="en-US" sz="1050" dirty="0">
-              <a:solidFill>
-                <a:schemeClr val="bg1"/>
-              </a:solidFill>
-            </a:endParaRPr>
           </a:p>
         </p:txBody>
       </p:sp>
@@ -6264,14 +6180,14 @@
           <a:p>
             <a:pPr algn="ctr"/>
             <a:r>
-              <a:rPr lang="en-US" sz="1050" dirty="0" err="1" smtClean="0">
+              <a:rPr lang="en-US" sz="1050" dirty="0" err="1">
                 <a:solidFill>
                   <a:schemeClr val="bg1"/>
                 </a:solidFill>
               </a:rPr>
               <a:t>UndoRedo</a:t>
             </a:r>
-            <a:endParaRPr lang="en-US" sz="1050" dirty="0" smtClean="0">
+            <a:endParaRPr lang="en-US" sz="1050" dirty="0">
               <a:solidFill>
                 <a:schemeClr val="bg1"/>
               </a:solidFill>
@@ -6280,7 +6196,7 @@
           <a:p>
             <a:pPr algn="ctr"/>
             <a:r>
-              <a:rPr lang="en-US" sz="1050" dirty="0" smtClean="0">
+              <a:rPr lang="en-US" sz="1050" dirty="0">
                 <a:solidFill>
                   <a:schemeClr val="bg1"/>
                 </a:solidFill>
@@ -6344,6 +6260,564 @@
         <p:spPr>
           <a:xfrm>
             <a:off x="2724741" y="3418256"/>
+            <a:ext cx="131116" cy="230832"/>
+          </a:xfrm>
+          <a:prstGeom prst="rect">
+            <a:avLst/>
+          </a:prstGeom>
+          <a:noFill/>
+        </p:spPr>
+        <p:txBody>
+          <a:bodyPr wrap="square" lIns="0" tIns="0" rIns="0" bIns="0" rtlCol="0">
+            <a:noAutofit/>
+          </a:bodyPr>
+          <a:lstStyle/>
+          <a:p>
+            <a:pPr algn="r"/>
+            <a:r>
+              <a:rPr lang="en-US" sz="1100" dirty="0">
+                <a:solidFill>
+                  <a:srgbClr val="0070C0"/>
+                </a:solidFill>
+              </a:rPr>
+              <a:t>1</a:t>
+            </a:r>
+            <a:endParaRPr lang="en-SG" sz="1100" dirty="0">
+              <a:solidFill>
+                <a:srgbClr val="0070C0"/>
+              </a:solidFill>
+            </a:endParaRPr>
+          </a:p>
+        </p:txBody>
+      </p:sp>
+      <p:sp>
+        <p:nvSpPr>
+          <p:cNvPr id="76" name="Rectangle 62">
+            <a:extLst>
+              <a:ext uri="{FF2B5EF4-FFF2-40B4-BE49-F238E27FC236}">
+                <a16:creationId xmlns:a16="http://schemas.microsoft.com/office/drawing/2014/main" id="{97895C1F-A7DC-46E6-A26B-DD518CBFB2C8}"/>
+              </a:ext>
+            </a:extLst>
+          </p:cNvPr>
+          <p:cNvSpPr/>
+          <p:nvPr/>
+        </p:nvSpPr>
+        <p:spPr>
+          <a:xfrm>
+            <a:off x="2692108" y="4488867"/>
+            <a:ext cx="1055944" cy="346760"/>
+          </a:xfrm>
+          <a:prstGeom prst="rect">
+            <a:avLst/>
+          </a:prstGeom>
+          <a:solidFill>
+            <a:srgbClr val="0070C0"/>
+          </a:solidFill>
+          <a:ln w="19050">
+            <a:solidFill>
+              <a:srgbClr val="0070C0"/>
+            </a:solidFill>
+          </a:ln>
+          <a:effectLst/>
+        </p:spPr>
+        <p:style>
+          <a:lnRef idx="1">
+            <a:schemeClr val="accent2"/>
+          </a:lnRef>
+          <a:fillRef idx="2">
+            <a:schemeClr val="accent2"/>
+          </a:fillRef>
+          <a:effectRef idx="1">
+            <a:schemeClr val="accent2"/>
+          </a:effectRef>
+          <a:fontRef idx="minor">
+            <a:schemeClr val="dk1"/>
+          </a:fontRef>
+        </p:style>
+        <p:txBody>
+          <a:bodyPr rtlCol="0" anchor="ctr"/>
+          <a:lstStyle/>
+          <a:p>
+            <a:pPr algn="ctr"/>
+            <a:r>
+              <a:rPr lang="en-US" sz="1050" dirty="0">
+                <a:solidFill>
+                  <a:schemeClr val="bg1"/>
+                </a:solidFill>
+              </a:rPr>
+              <a:t>AutoCompleteManager</a:t>
+            </a:r>
+            <a:endParaRPr lang="en-SG" sz="1050" dirty="0">
+              <a:solidFill>
+                <a:schemeClr val="bg1"/>
+              </a:solidFill>
+            </a:endParaRPr>
+          </a:p>
+        </p:txBody>
+      </p:sp>
+      <p:cxnSp>
+        <p:nvCxnSpPr>
+          <p:cNvPr id="45" name="Connector: Elbow 44">
+            <a:extLst>
+              <a:ext uri="{FF2B5EF4-FFF2-40B4-BE49-F238E27FC236}">
+                <a16:creationId xmlns:a16="http://schemas.microsoft.com/office/drawing/2014/main" id="{1E668DD1-7DEC-4117-95C3-185541053043}"/>
+              </a:ext>
+            </a:extLst>
+          </p:cNvPr>
+          <p:cNvCxnSpPr>
+            <a:stCxn id="5" idx="2"/>
+            <a:endCxn id="76" idx="1"/>
+          </p:cNvCxnSpPr>
+          <p:nvPr/>
+        </p:nvCxnSpPr>
+        <p:spPr>
+          <a:xfrm rot="16200000" flipH="1">
+            <a:off x="2144732" y="4114870"/>
+            <a:ext cx="731957" cy="362795"/>
+          </a:xfrm>
+          <a:prstGeom prst="bentConnector2">
+            <a:avLst/>
+          </a:prstGeom>
+          <a:ln w="19050">
+            <a:solidFill>
+              <a:srgbClr val="0070C0"/>
+            </a:solidFill>
+            <a:tailEnd type="arrow"/>
+          </a:ln>
+        </p:spPr>
+        <p:style>
+          <a:lnRef idx="1">
+            <a:schemeClr val="accent1"/>
+          </a:lnRef>
+          <a:fillRef idx="0">
+            <a:schemeClr val="accent1"/>
+          </a:fillRef>
+          <a:effectRef idx="0">
+            <a:schemeClr val="accent1"/>
+          </a:effectRef>
+          <a:fontRef idx="minor">
+            <a:schemeClr val="tx1"/>
+          </a:fontRef>
+        </p:style>
+      </p:cxnSp>
+      <p:cxnSp>
+        <p:nvCxnSpPr>
+          <p:cNvPr id="90" name="Connector: Elbow 89">
+            <a:extLst>
+              <a:ext uri="{FF2B5EF4-FFF2-40B4-BE49-F238E27FC236}">
+                <a16:creationId xmlns:a16="http://schemas.microsoft.com/office/drawing/2014/main" id="{04403EFA-1CDC-4DFA-A992-45F0BEDFD11B}"/>
+              </a:ext>
+            </a:extLst>
+          </p:cNvPr>
+          <p:cNvCxnSpPr>
+            <a:cxnSpLocks/>
+            <a:stCxn id="76" idx="2"/>
+            <a:endCxn id="93" idx="1"/>
+          </p:cNvCxnSpPr>
+          <p:nvPr/>
+        </p:nvCxnSpPr>
+        <p:spPr>
+          <a:xfrm rot="16200000" flipH="1">
+            <a:off x="3347345" y="4708362"/>
+            <a:ext cx="334101" cy="588630"/>
+          </a:xfrm>
+          <a:prstGeom prst="bentConnector2">
+            <a:avLst/>
+          </a:prstGeom>
+          <a:ln w="19050">
+            <a:solidFill>
+              <a:srgbClr val="0070C0"/>
+            </a:solidFill>
+            <a:tailEnd type="arrow"/>
+          </a:ln>
+        </p:spPr>
+        <p:style>
+          <a:lnRef idx="1">
+            <a:schemeClr val="accent1"/>
+          </a:lnRef>
+          <a:fillRef idx="0">
+            <a:schemeClr val="accent1"/>
+          </a:fillRef>
+          <a:effectRef idx="0">
+            <a:schemeClr val="accent1"/>
+          </a:effectRef>
+          <a:fontRef idx="minor">
+            <a:schemeClr val="tx1"/>
+          </a:fontRef>
+        </p:style>
+      </p:cxnSp>
+      <p:sp>
+        <p:nvSpPr>
+          <p:cNvPr id="93" name="Rectangle 62">
+            <a:extLst>
+              <a:ext uri="{FF2B5EF4-FFF2-40B4-BE49-F238E27FC236}">
+                <a16:creationId xmlns:a16="http://schemas.microsoft.com/office/drawing/2014/main" id="{C6CA29FD-11FB-4C65-96DB-F341A0419E0D}"/>
+              </a:ext>
+            </a:extLst>
+          </p:cNvPr>
+          <p:cNvSpPr/>
+          <p:nvPr/>
+        </p:nvSpPr>
+        <p:spPr>
+          <a:xfrm>
+            <a:off x="3808710" y="5034448"/>
+            <a:ext cx="557989" cy="270560"/>
+          </a:xfrm>
+          <a:prstGeom prst="rect">
+            <a:avLst/>
+          </a:prstGeom>
+          <a:solidFill>
+            <a:srgbClr val="0070C0"/>
+          </a:solidFill>
+          <a:ln w="19050">
+            <a:solidFill>
+              <a:srgbClr val="0070C0"/>
+            </a:solidFill>
+          </a:ln>
+          <a:effectLst/>
+        </p:spPr>
+        <p:style>
+          <a:lnRef idx="1">
+            <a:schemeClr val="accent2"/>
+          </a:lnRef>
+          <a:fillRef idx="2">
+            <a:schemeClr val="accent2"/>
+          </a:fillRef>
+          <a:effectRef idx="1">
+            <a:schemeClr val="accent2"/>
+          </a:effectRef>
+          <a:fontRef idx="minor">
+            <a:schemeClr val="dk1"/>
+          </a:fontRef>
+        </p:style>
+        <p:txBody>
+          <a:bodyPr rtlCol="0" anchor="ctr"/>
+          <a:lstStyle/>
+          <a:p>
+            <a:pPr algn="ctr"/>
+            <a:r>
+              <a:rPr lang="en-US" sz="1050" dirty="0" err="1">
+                <a:solidFill>
+                  <a:schemeClr val="bg1"/>
+                </a:solidFill>
+              </a:rPr>
+              <a:t>Trie</a:t>
+            </a:r>
+            <a:endParaRPr lang="en-SG" sz="1050" dirty="0">
+              <a:solidFill>
+                <a:schemeClr val="bg1"/>
+              </a:solidFill>
+            </a:endParaRPr>
+          </a:p>
+        </p:txBody>
+      </p:sp>
+      <p:sp>
+        <p:nvSpPr>
+          <p:cNvPr id="94" name="Rectangle 62">
+            <a:extLst>
+              <a:ext uri="{FF2B5EF4-FFF2-40B4-BE49-F238E27FC236}">
+                <a16:creationId xmlns:a16="http://schemas.microsoft.com/office/drawing/2014/main" id="{57B34E5C-F925-4CDB-BDEE-B89C0F797F05}"/>
+              </a:ext>
+            </a:extLst>
+          </p:cNvPr>
+          <p:cNvSpPr/>
+          <p:nvPr/>
+        </p:nvSpPr>
+        <p:spPr>
+          <a:xfrm>
+            <a:off x="3808013" y="5407326"/>
+            <a:ext cx="2135587" cy="270560"/>
+          </a:xfrm>
+          <a:prstGeom prst="rect">
+            <a:avLst/>
+          </a:prstGeom>
+          <a:solidFill>
+            <a:srgbClr val="0070C0"/>
+          </a:solidFill>
+          <a:ln w="19050">
+            <a:solidFill>
+              <a:srgbClr val="0070C0"/>
+            </a:solidFill>
+          </a:ln>
+          <a:effectLst/>
+        </p:spPr>
+        <p:style>
+          <a:lnRef idx="1">
+            <a:schemeClr val="accent2"/>
+          </a:lnRef>
+          <a:fillRef idx="2">
+            <a:schemeClr val="accent2"/>
+          </a:fillRef>
+          <a:effectRef idx="1">
+            <a:schemeClr val="accent2"/>
+          </a:effectRef>
+          <a:fontRef idx="minor">
+            <a:schemeClr val="dk1"/>
+          </a:fontRef>
+        </p:style>
+        <p:txBody>
+          <a:bodyPr rtlCol="0" anchor="ctr"/>
+          <a:lstStyle/>
+          <a:p>
+            <a:pPr algn="ctr"/>
+            <a:r>
+              <a:rPr lang="en-US" sz="1050" dirty="0" err="1">
+                <a:solidFill>
+                  <a:schemeClr val="bg1"/>
+                </a:solidFill>
+              </a:rPr>
+              <a:t>CommandParameterSyntaxHandler</a:t>
+            </a:r>
+            <a:endParaRPr lang="en-SG" sz="1050" dirty="0">
+              <a:solidFill>
+                <a:schemeClr val="bg1"/>
+              </a:solidFill>
+            </a:endParaRPr>
+          </a:p>
+        </p:txBody>
+      </p:sp>
+      <p:cxnSp>
+        <p:nvCxnSpPr>
+          <p:cNvPr id="98" name="Connector: Elbow 97">
+            <a:extLst>
+              <a:ext uri="{FF2B5EF4-FFF2-40B4-BE49-F238E27FC236}">
+                <a16:creationId xmlns:a16="http://schemas.microsoft.com/office/drawing/2014/main" id="{EE2611C9-8B09-4E3C-9DBD-1E88367203E2}"/>
+              </a:ext>
+            </a:extLst>
+          </p:cNvPr>
+          <p:cNvCxnSpPr>
+            <a:cxnSpLocks/>
+            <a:stCxn id="76" idx="2"/>
+            <a:endCxn id="94" idx="1"/>
+          </p:cNvCxnSpPr>
+          <p:nvPr/>
+        </p:nvCxnSpPr>
+        <p:spPr>
+          <a:xfrm rot="16200000" flipH="1">
+            <a:off x="3160557" y="4895149"/>
+            <a:ext cx="706979" cy="587933"/>
+          </a:xfrm>
+          <a:prstGeom prst="bentConnector2">
+            <a:avLst/>
+          </a:prstGeom>
+          <a:ln w="19050">
+            <a:solidFill>
+              <a:srgbClr val="0070C0"/>
+            </a:solidFill>
+            <a:tailEnd type="arrow"/>
+          </a:ln>
+        </p:spPr>
+        <p:style>
+          <a:lnRef idx="1">
+            <a:schemeClr val="accent1"/>
+          </a:lnRef>
+          <a:fillRef idx="0">
+            <a:schemeClr val="accent1"/>
+          </a:fillRef>
+          <a:effectRef idx="0">
+            <a:schemeClr val="accent1"/>
+          </a:effectRef>
+          <a:fontRef idx="minor">
+            <a:schemeClr val="tx1"/>
+          </a:fontRef>
+        </p:style>
+      </p:cxnSp>
+      <p:cxnSp>
+        <p:nvCxnSpPr>
+          <p:cNvPr id="99" name="Connector: Elbow 98">
+            <a:extLst>
+              <a:ext uri="{FF2B5EF4-FFF2-40B4-BE49-F238E27FC236}">
+                <a16:creationId xmlns:a16="http://schemas.microsoft.com/office/drawing/2014/main" id="{87E3E970-9FE6-4BDA-BE7E-89B8055E91D2}"/>
+              </a:ext>
+            </a:extLst>
+          </p:cNvPr>
+          <p:cNvCxnSpPr>
+            <a:cxnSpLocks/>
+            <a:stCxn id="5" idx="2"/>
+            <a:endCxn id="86" idx="3"/>
+          </p:cNvCxnSpPr>
+          <p:nvPr/>
+        </p:nvCxnSpPr>
+        <p:spPr>
+          <a:xfrm rot="5400000">
+            <a:off x="1714232" y="3892459"/>
+            <a:ext cx="577251" cy="652912"/>
+          </a:xfrm>
+          <a:prstGeom prst="bentConnector2">
+            <a:avLst/>
+          </a:prstGeom>
+          <a:ln w="19050">
+            <a:solidFill>
+              <a:srgbClr val="0070C0"/>
+            </a:solidFill>
+            <a:tailEnd type="arrow"/>
+          </a:ln>
+        </p:spPr>
+        <p:style>
+          <a:lnRef idx="1">
+            <a:schemeClr val="accent1"/>
+          </a:lnRef>
+          <a:fillRef idx="0">
+            <a:schemeClr val="accent1"/>
+          </a:fillRef>
+          <a:effectRef idx="0">
+            <a:schemeClr val="accent1"/>
+          </a:effectRef>
+          <a:fontRef idx="minor">
+            <a:schemeClr val="tx1"/>
+          </a:fontRef>
+        </p:style>
+      </p:cxnSp>
+      <p:sp>
+        <p:nvSpPr>
+          <p:cNvPr id="100" name="TextBox 99">
+            <a:extLst>
+              <a:ext uri="{FF2B5EF4-FFF2-40B4-BE49-F238E27FC236}">
+                <a16:creationId xmlns:a16="http://schemas.microsoft.com/office/drawing/2014/main" id="{4F254A49-3B61-4ABC-A028-51D1D757253E}"/>
+              </a:ext>
+            </a:extLst>
+          </p:cNvPr>
+          <p:cNvSpPr txBox="1"/>
+          <p:nvPr/>
+        </p:nvSpPr>
+        <p:spPr>
+          <a:xfrm>
+            <a:off x="1738843" y="4313153"/>
+            <a:ext cx="131116" cy="230832"/>
+          </a:xfrm>
+          <a:prstGeom prst="rect">
+            <a:avLst/>
+          </a:prstGeom>
+          <a:noFill/>
+        </p:spPr>
+        <p:txBody>
+          <a:bodyPr wrap="square" lIns="0" tIns="0" rIns="0" bIns="0" rtlCol="0">
+            <a:noAutofit/>
+          </a:bodyPr>
+          <a:lstStyle/>
+          <a:p>
+            <a:pPr algn="r"/>
+            <a:r>
+              <a:rPr lang="en-US" sz="1100" dirty="0">
+                <a:solidFill>
+                  <a:srgbClr val="0070C0"/>
+                </a:solidFill>
+              </a:rPr>
+              <a:t>1</a:t>
+            </a:r>
+            <a:endParaRPr lang="en-SG" sz="1100" dirty="0">
+              <a:solidFill>
+                <a:srgbClr val="0070C0"/>
+              </a:solidFill>
+            </a:endParaRPr>
+          </a:p>
+        </p:txBody>
+      </p:sp>
+      <p:sp>
+        <p:nvSpPr>
+          <p:cNvPr id="105" name="TextBox 104">
+            <a:extLst>
+              <a:ext uri="{FF2B5EF4-FFF2-40B4-BE49-F238E27FC236}">
+                <a16:creationId xmlns:a16="http://schemas.microsoft.com/office/drawing/2014/main" id="{89533143-F33C-47FB-897E-B34B85EA2E40}"/>
+              </a:ext>
+            </a:extLst>
+          </p:cNvPr>
+          <p:cNvSpPr txBox="1"/>
+          <p:nvPr/>
+        </p:nvSpPr>
+        <p:spPr>
+          <a:xfrm>
+            <a:off x="2522871" y="4443368"/>
+            <a:ext cx="131116" cy="230832"/>
+          </a:xfrm>
+          <a:prstGeom prst="rect">
+            <a:avLst/>
+          </a:prstGeom>
+          <a:noFill/>
+        </p:spPr>
+        <p:txBody>
+          <a:bodyPr wrap="square" lIns="0" tIns="0" rIns="0" bIns="0" rtlCol="0">
+            <a:noAutofit/>
+          </a:bodyPr>
+          <a:lstStyle/>
+          <a:p>
+            <a:pPr algn="r"/>
+            <a:r>
+              <a:rPr lang="en-US" sz="1100" dirty="0">
+                <a:solidFill>
+                  <a:srgbClr val="0070C0"/>
+                </a:solidFill>
+              </a:rPr>
+              <a:t>1</a:t>
+            </a:r>
+            <a:endParaRPr lang="en-SG" sz="1100" dirty="0">
+              <a:solidFill>
+                <a:srgbClr val="0070C0"/>
+              </a:solidFill>
+            </a:endParaRPr>
+          </a:p>
+        </p:txBody>
+      </p:sp>
+      <p:sp>
+        <p:nvSpPr>
+          <p:cNvPr id="106" name="TextBox 105">
+            <a:extLst>
+              <a:ext uri="{FF2B5EF4-FFF2-40B4-BE49-F238E27FC236}">
+                <a16:creationId xmlns:a16="http://schemas.microsoft.com/office/drawing/2014/main" id="{88D102DF-073F-4AB1-9A91-A219768DD7EF}"/>
+              </a:ext>
+            </a:extLst>
+          </p:cNvPr>
+          <p:cNvSpPr txBox="1"/>
+          <p:nvPr/>
+        </p:nvSpPr>
+        <p:spPr>
+          <a:xfrm>
+            <a:off x="3630737" y="4938896"/>
+            <a:ext cx="131116" cy="230832"/>
+          </a:xfrm>
+          <a:prstGeom prst="rect">
+            <a:avLst/>
+          </a:prstGeom>
+          <a:noFill/>
+        </p:spPr>
+        <p:txBody>
+          <a:bodyPr wrap="square" lIns="0" tIns="0" rIns="0" bIns="0" rtlCol="0">
+            <a:noAutofit/>
+          </a:bodyPr>
+          <a:lstStyle/>
+          <a:p>
+            <a:pPr algn="r"/>
+            <a:r>
+              <a:rPr lang="en-US" sz="1100" dirty="0">
+                <a:solidFill>
+                  <a:srgbClr val="0070C0"/>
+                </a:solidFill>
+              </a:rPr>
+              <a:t>1</a:t>
+            </a:r>
+            <a:endParaRPr lang="en-SG" sz="1100" dirty="0">
+              <a:solidFill>
+                <a:srgbClr val="0070C0"/>
+              </a:solidFill>
+            </a:endParaRPr>
+          </a:p>
+        </p:txBody>
+      </p:sp>
+      <p:sp>
+        <p:nvSpPr>
+          <p:cNvPr id="107" name="TextBox 106">
+            <a:extLst>
+              <a:ext uri="{FF2B5EF4-FFF2-40B4-BE49-F238E27FC236}">
+                <a16:creationId xmlns:a16="http://schemas.microsoft.com/office/drawing/2014/main" id="{9BCF93D8-2B56-4B97-BD7B-6FDA9DE1B442}"/>
+              </a:ext>
+            </a:extLst>
+          </p:cNvPr>
+          <p:cNvSpPr txBox="1"/>
+          <p:nvPr/>
+        </p:nvSpPr>
+        <p:spPr>
+          <a:xfrm>
+            <a:off x="3646963" y="5334922"/>
             <a:ext cx="131116" cy="230832"/>
           </a:xfrm>
           <a:prstGeom prst="rect">

--- a/docs/diagrams/LogicComponentClassDiagram.pptx
+++ b/docs/diagrams/LogicComponentClassDiagram.pptx
@@ -208,7 +208,7 @@
           <a:p>
             <a:fld id="{F5CC4B3F-88C1-4FFA-B1B6-F41C21DC6924}" type="datetimeFigureOut">
               <a:rPr lang="en-US" smtClean="0"/>
-              <a:t>4/7/2018</a:t>
+              <a:t>4/8/2018</a:t>
             </a:fld>
             <a:endParaRPr lang="en-US"/>
           </a:p>
@@ -654,7 +654,7 @@
           <a:p>
             <a:fld id="{78C97017-6FC3-485B-9764-EAC9E56C1D49}" type="datetimeFigureOut">
               <a:rPr lang="en-US" smtClean="0"/>
-              <a:t>4/7/2018</a:t>
+              <a:t>4/8/2018</a:t>
             </a:fld>
             <a:endParaRPr lang="en-US"/>
           </a:p>
@@ -822,7 +822,7 @@
           <a:p>
             <a:fld id="{78C97017-6FC3-485B-9764-EAC9E56C1D49}" type="datetimeFigureOut">
               <a:rPr lang="en-US" smtClean="0"/>
-              <a:t>4/7/2018</a:t>
+              <a:t>4/8/2018</a:t>
             </a:fld>
             <a:endParaRPr lang="en-US"/>
           </a:p>
@@ -1000,7 +1000,7 @@
           <a:p>
             <a:fld id="{78C97017-6FC3-485B-9764-EAC9E56C1D49}" type="datetimeFigureOut">
               <a:rPr lang="en-US" smtClean="0"/>
-              <a:t>4/7/2018</a:t>
+              <a:t>4/8/2018</a:t>
             </a:fld>
             <a:endParaRPr lang="en-US"/>
           </a:p>
@@ -1168,7 +1168,7 @@
           <a:p>
             <a:fld id="{78C97017-6FC3-485B-9764-EAC9E56C1D49}" type="datetimeFigureOut">
               <a:rPr lang="en-US" smtClean="0"/>
-              <a:t>4/7/2018</a:t>
+              <a:t>4/8/2018</a:t>
             </a:fld>
             <a:endParaRPr lang="en-US"/>
           </a:p>
@@ -1413,7 +1413,7 @@
           <a:p>
             <a:fld id="{78C97017-6FC3-485B-9764-EAC9E56C1D49}" type="datetimeFigureOut">
               <a:rPr lang="en-US" smtClean="0"/>
-              <a:t>4/7/2018</a:t>
+              <a:t>4/8/2018</a:t>
             </a:fld>
             <a:endParaRPr lang="en-US"/>
           </a:p>
@@ -1698,7 +1698,7 @@
           <a:p>
             <a:fld id="{78C97017-6FC3-485B-9764-EAC9E56C1D49}" type="datetimeFigureOut">
               <a:rPr lang="en-US" smtClean="0"/>
-              <a:t>4/7/2018</a:t>
+              <a:t>4/8/2018</a:t>
             </a:fld>
             <a:endParaRPr lang="en-US"/>
           </a:p>
@@ -2117,7 +2117,7 @@
           <a:p>
             <a:fld id="{78C97017-6FC3-485B-9764-EAC9E56C1D49}" type="datetimeFigureOut">
               <a:rPr lang="en-US" smtClean="0"/>
-              <a:t>4/7/2018</a:t>
+              <a:t>4/8/2018</a:t>
             </a:fld>
             <a:endParaRPr lang="en-US"/>
           </a:p>
@@ -2234,7 +2234,7 @@
           <a:p>
             <a:fld id="{78C97017-6FC3-485B-9764-EAC9E56C1D49}" type="datetimeFigureOut">
               <a:rPr lang="en-US" smtClean="0"/>
-              <a:t>4/7/2018</a:t>
+              <a:t>4/8/2018</a:t>
             </a:fld>
             <a:endParaRPr lang="en-US"/>
           </a:p>
@@ -2329,7 +2329,7 @@
           <a:p>
             <a:fld id="{78C97017-6FC3-485B-9764-EAC9E56C1D49}" type="datetimeFigureOut">
               <a:rPr lang="en-US" smtClean="0"/>
-              <a:t>4/7/2018</a:t>
+              <a:t>4/8/2018</a:t>
             </a:fld>
             <a:endParaRPr lang="en-US"/>
           </a:p>
@@ -2604,7 +2604,7 @@
           <a:p>
             <a:fld id="{78C97017-6FC3-485B-9764-EAC9E56C1D49}" type="datetimeFigureOut">
               <a:rPr lang="en-US" smtClean="0"/>
-              <a:t>4/7/2018</a:t>
+              <a:t>4/8/2018</a:t>
             </a:fld>
             <a:endParaRPr lang="en-US"/>
           </a:p>
@@ -2856,7 +2856,7 @@
           <a:p>
             <a:fld id="{78C97017-6FC3-485B-9764-EAC9E56C1D49}" type="datetimeFigureOut">
               <a:rPr lang="en-US" smtClean="0"/>
-              <a:t>4/7/2018</a:t>
+              <a:t>4/8/2018</a:t>
             </a:fld>
             <a:endParaRPr lang="en-US"/>
           </a:p>
@@ -3067,7 +3067,7 @@
           <a:p>
             <a:fld id="{78C97017-6FC3-485B-9764-EAC9E56C1D49}" type="datetimeFigureOut">
               <a:rPr lang="en-US" smtClean="0"/>
-              <a:t>4/7/2018</a:t>
+              <a:t>4/8/2018</a:t>
             </a:fld>
             <a:endParaRPr lang="en-US"/>
           </a:p>
@@ -4262,19 +4262,17 @@
         <p:nvCxnSpPr>
           <p:cNvPr id="25" name="Elbow Connector 63"/>
           <p:cNvCxnSpPr>
-            <a:endCxn id="12" idx="1"/>
+            <a:cxnSpLocks/>
           </p:cNvCxnSpPr>
           <p:nvPr/>
         </p:nvCxnSpPr>
         <p:spPr>
-          <a:xfrm>
-            <a:off x="2281833" y="3939492"/>
-            <a:ext cx="4695039" cy="382928"/>
-          </a:xfrm>
-          <a:prstGeom prst="bentConnector3">
-            <a:avLst>
-              <a:gd name="adj1" fmla="val -81"/>
-            </a:avLst>
+          <a:xfrm rot="16200000" flipH="1">
+            <a:off x="4598489" y="1957489"/>
+            <a:ext cx="392130" cy="4356000"/>
+          </a:xfrm>
+          <a:prstGeom prst="bentConnector2">
+            <a:avLst/>
           </a:prstGeom>
           <a:ln w="19050">
             <a:solidFill>
